--- a/Slides/6 - Single Page Applications.pptx
+++ b/Slides/6 - Single Page Applications.pptx
@@ -11,9 +11,9 @@
     <p:sldId id="451" r:id="rId2"/>
     <p:sldId id="473" r:id="rId3"/>
     <p:sldId id="469" r:id="rId4"/>
-    <p:sldId id="470" r:id="rId5"/>
+    <p:sldId id="476" r:id="rId5"/>
     <p:sldId id="474" r:id="rId6"/>
-    <p:sldId id="472" r:id="rId7"/>
+    <p:sldId id="475" r:id="rId7"/>
     <p:sldId id="450" r:id="rId8"/>
   </p:sldIdLst>
   <p:sldSz cx="12192000" cy="6858000"/>
@@ -121,9 +121,9 @@
             <p14:sldId id="451"/>
             <p14:sldId id="473"/>
             <p14:sldId id="469"/>
-            <p14:sldId id="470"/>
+            <p14:sldId id="476"/>
             <p14:sldId id="474"/>
-            <p14:sldId id="472"/>
+            <p14:sldId id="475"/>
             <p14:sldId id="450"/>
           </p14:sldIdLst>
         </p14:section>
@@ -224,7 +224,7 @@
           <a:p>
             <a:fld id="{A9DDBD42-E139-45FA-9C16-1611187CAC3F}" type="datetimeFigureOut">
               <a:rPr lang="en-US" smtClean="0"/>
-              <a:t>10/18/2015</a:t>
+              <a:t>10/21/2015</a:t>
             </a:fld>
             <a:endParaRPr lang="en-US"/>
           </a:p>
@@ -658,90 +658,6 @@
     <p:extLst>
       <p:ext uri="{BB962C8B-B14F-4D97-AF65-F5344CB8AC3E}">
         <p14:creationId xmlns:p14="http://schemas.microsoft.com/office/powerpoint/2010/main" val="2930267783"/>
-      </p:ext>
-    </p:extLst>
-  </p:cSld>
-  <p:clrMapOvr>
-    <a:masterClrMapping/>
-  </p:clrMapOvr>
-</p:notes>
-</file>
-
-<file path=ppt/notesSlides/notesSlide3.xml><?xml version="1.0" encoding="utf-8"?>
-<p:notes xmlns:a="http://schemas.openxmlformats.org/drawingml/2006/main" xmlns:r="http://schemas.openxmlformats.org/officeDocument/2006/relationships" xmlns:p="http://schemas.openxmlformats.org/presentationml/2006/main">
-  <p:cSld>
-    <p:spTree>
-      <p:nvGrpSpPr>
-        <p:cNvPr id="1" name=""/>
-        <p:cNvGrpSpPr/>
-        <p:nvPr/>
-      </p:nvGrpSpPr>
-      <p:grpSpPr>
-        <a:xfrm>
-          <a:off x="0" y="0"/>
-          <a:ext cx="0" cy="0"/>
-          <a:chOff x="0" y="0"/>
-          <a:chExt cx="0" cy="0"/>
-        </a:xfrm>
-      </p:grpSpPr>
-      <p:sp>
-        <p:nvSpPr>
-          <p:cNvPr id="2" name="Slide Image Placeholder 1"/>
-          <p:cNvSpPr>
-            <a:spLocks noGrp="1" noRot="1" noChangeAspect="1"/>
-          </p:cNvSpPr>
-          <p:nvPr>
-            <p:ph type="sldImg"/>
-          </p:nvPr>
-        </p:nvSpPr>
-        <p:spPr/>
-      </p:sp>
-      <p:sp>
-        <p:nvSpPr>
-          <p:cNvPr id="3" name="Notes Placeholder 2"/>
-          <p:cNvSpPr>
-            <a:spLocks noGrp="1"/>
-          </p:cNvSpPr>
-          <p:nvPr>
-            <p:ph type="body" idx="1"/>
-          </p:nvPr>
-        </p:nvSpPr>
-        <p:spPr/>
-        <p:txBody>
-          <a:bodyPr/>
-          <a:lstStyle/>
-          <a:p>
-            <a:endParaRPr lang="en-US" dirty="0"/>
-          </a:p>
-        </p:txBody>
-      </p:sp>
-      <p:sp>
-        <p:nvSpPr>
-          <p:cNvPr id="4" name="Slide Number Placeholder 3"/>
-          <p:cNvSpPr>
-            <a:spLocks noGrp="1"/>
-          </p:cNvSpPr>
-          <p:nvPr>
-            <p:ph type="sldNum" sz="quarter" idx="10"/>
-          </p:nvPr>
-        </p:nvSpPr>
-        <p:spPr/>
-        <p:txBody>
-          <a:bodyPr/>
-          <a:lstStyle/>
-          <a:p>
-            <a:fld id="{906AB01E-7BD7-442B-8A6B-D31FAFDAE830}" type="slidenum">
-              <a:rPr lang="en-US" smtClean="0"/>
-              <a:t>4</a:t>
-            </a:fld>
-            <a:endParaRPr lang="en-US"/>
-          </a:p>
-        </p:txBody>
-      </p:sp>
-    </p:spTree>
-    <p:extLst>
-      <p:ext uri="{BB962C8B-B14F-4D97-AF65-F5344CB8AC3E}">
-        <p14:creationId xmlns:p14="http://schemas.microsoft.com/office/powerpoint/2010/main" val="2340371354"/>
       </p:ext>
     </p:extLst>
   </p:cSld>
@@ -3872,7 +3788,7 @@
       </p:grpSpPr>
       <p:sp>
         <p:nvSpPr>
-          <p:cNvPr id="5" name="Title 4"/>
+          <p:cNvPr id="2" name="Title 1"/>
           <p:cNvSpPr>
             <a:spLocks noGrp="1"/>
           </p:cNvSpPr>
@@ -3886,12 +3802,43 @@
           <a:lstStyle/>
           <a:p>
             <a:r>
-              <a:rPr lang="en-CA" dirty="0" smtClean="0"/>
-              <a:t>Single </a:t>
+              <a:rPr lang="en-US" dirty="0" smtClean="0"/>
+              <a:t>Single Page Application Concerns</a:t>
             </a:r>
+            <a:endParaRPr lang="en-US" dirty="0"/>
+          </a:p>
+        </p:txBody>
+      </p:sp>
+      <p:sp>
+        <p:nvSpPr>
+          <p:cNvPr id="3" name="Content Placeholder 2"/>
+          <p:cNvSpPr>
+            <a:spLocks noGrp="1"/>
+          </p:cNvSpPr>
+          <p:nvPr>
+            <p:ph sz="quarter" idx="10"/>
+          </p:nvPr>
+        </p:nvSpPr>
+        <p:spPr/>
+        <p:txBody>
+          <a:bodyPr/>
+          <a:lstStyle/>
+          <a:p>
             <a:r>
-              <a:rPr lang="en-CA" smtClean="0"/>
-              <a:t>Page Application</a:t>
+              <a:rPr lang="en-US" dirty="0" smtClean="0"/>
+              <a:t>Nested components (not templates)</a:t>
+            </a:r>
+          </a:p>
+          <a:p>
+            <a:r>
+              <a:rPr lang="en-US" dirty="0" smtClean="0"/>
+              <a:t>Routing</a:t>
+            </a:r>
+          </a:p>
+          <a:p>
+            <a:r>
+              <a:rPr lang="en-US" dirty="0" smtClean="0"/>
+              <a:t>Architectures</a:t>
             </a:r>
             <a:endParaRPr lang="en-US" dirty="0"/>
           </a:p>
@@ -3900,7 +3847,7 @@
     </p:spTree>
     <p:extLst>
       <p:ext uri="{BB962C8B-B14F-4D97-AF65-F5344CB8AC3E}">
-        <p14:creationId xmlns:p14="http://schemas.microsoft.com/office/powerpoint/2010/main" val="2459086077"/>
+        <p14:creationId xmlns:p14="http://schemas.microsoft.com/office/powerpoint/2010/main" val="1728448272"/>
       </p:ext>
     </p:extLst>
   </p:cSld>
@@ -4013,74 +3960,1169 @@
           <a:chExt cx="0" cy="0"/>
         </a:xfrm>
       </p:grpSpPr>
-      <p:sp>
-        <p:nvSpPr>
-          <p:cNvPr id="2" name="Title 1"/>
-          <p:cNvSpPr>
-            <a:spLocks noGrp="1"/>
-          </p:cNvSpPr>
+      <p:graphicFrame>
+        <p:nvGraphicFramePr>
+          <p:cNvPr id="2" name="Table 1"/>
+          <p:cNvGraphicFramePr>
+            <a:graphicFrameLocks noGrp="1"/>
+          </p:cNvGraphicFramePr>
           <p:nvPr>
-            <p:ph type="title"/>
+            <p:extLst>
+              <p:ext uri="{D42A27DB-BD31-4B8C-83A1-F6EECF244321}">
+                <p14:modId xmlns:p14="http://schemas.microsoft.com/office/powerpoint/2010/main" val="2350516222"/>
+              </p:ext>
+            </p:extLst>
           </p:nvPr>
-        </p:nvSpPr>
-        <p:spPr/>
-        <p:txBody>
-          <a:bodyPr/>
-          <a:lstStyle/>
-          <a:p>
-            <a:r>
-              <a:rPr lang="en-US" dirty="0" smtClean="0"/>
-              <a:t>Additional Resources</a:t>
-            </a:r>
-            <a:endParaRPr lang="en-US" dirty="0"/>
-          </a:p>
-        </p:txBody>
-      </p:sp>
-      <p:sp>
-        <p:nvSpPr>
-          <p:cNvPr id="3" name="Content Placeholder 2"/>
-          <p:cNvSpPr>
-            <a:spLocks noGrp="1"/>
-          </p:cNvSpPr>
-          <p:nvPr>
-            <p:ph sz="quarter" idx="10"/>
-          </p:nvPr>
-        </p:nvSpPr>
-        <p:spPr/>
-        <p:txBody>
-          <a:bodyPr/>
-          <a:lstStyle/>
-          <a:p>
-            <a:r>
-              <a:rPr lang="en-US" dirty="0" smtClean="0"/>
-              <a:t>They will totally go here</a:t>
-            </a:r>
-          </a:p>
-          <a:p>
-            <a:r>
-              <a:rPr lang="en-US" dirty="0" smtClean="0"/>
-              <a:t>So many resources</a:t>
-            </a:r>
-          </a:p>
-          <a:p>
-            <a:r>
-              <a:rPr lang="en-US" dirty="0" smtClean="0"/>
-              <a:t>You have been warned</a:t>
-            </a:r>
-            <a:endParaRPr lang="en-US" dirty="0"/>
-          </a:p>
-        </p:txBody>
-      </p:sp>
+        </p:nvGraphicFramePr>
+        <p:xfrm>
+          <a:off x="559017" y="145805"/>
+          <a:ext cx="11006065" cy="6633201"/>
+        </p:xfrm>
+        <a:graphic>
+          <a:graphicData uri="http://schemas.openxmlformats.org/drawingml/2006/table">
+            <a:tbl>
+              <a:tblPr firstRow="1">
+                <a:tableStyleId>{3C2FFA5D-87B4-456A-9821-1D502468CF0F}</a:tableStyleId>
+              </a:tblPr>
+              <a:tblGrid>
+                <a:gridCol w="1849842">
+                  <a:extLst>
+                    <a:ext uri="{9D8B030D-6E8A-4147-A177-3AD203B41FA5}">
+                      <a16:colId xmlns:a16="http://schemas.microsoft.com/office/drawing/2014/main" val="1501113274"/>
+                    </a:ext>
+                  </a:extLst>
+                </a:gridCol>
+                <a:gridCol w="2830224">
+                  <a:extLst>
+                    <a:ext uri="{9D8B030D-6E8A-4147-A177-3AD203B41FA5}">
+                      <a16:colId xmlns:a16="http://schemas.microsoft.com/office/drawing/2014/main" val="3434202527"/>
+                    </a:ext>
+                  </a:extLst>
+                </a:gridCol>
+                <a:gridCol w="6325999">
+                  <a:extLst>
+                    <a:ext uri="{9D8B030D-6E8A-4147-A177-3AD203B41FA5}">
+                      <a16:colId xmlns:a16="http://schemas.microsoft.com/office/drawing/2014/main" val="1563021897"/>
+                    </a:ext>
+                  </a:extLst>
+                </a:gridCol>
+              </a:tblGrid>
+              <a:tr h="356112">
+                <a:tc>
+                  <a:txBody>
+                    <a:bodyPr/>
+                    <a:lstStyle/>
+                    <a:p>
+                      <a:pPr marL="0" marR="0" fontAlgn="t">
+                        <a:spcBef>
+                          <a:spcPts val="0"/>
+                        </a:spcBef>
+                        <a:spcAft>
+                          <a:spcPts val="0"/>
+                        </a:spcAft>
+                      </a:pPr>
+                      <a:r>
+                        <a:rPr lang="en-US" sz="1800" dirty="0" smtClean="0">
+                          <a:effectLst/>
+                        </a:rPr>
+                        <a:t>Install</a:t>
+                      </a:r>
+                      <a:endParaRPr lang="en-US" sz="1800" dirty="0">
+                        <a:effectLst/>
+                        <a:latin typeface="Calibri" panose="020F0502020204030204" pitchFamily="34" charset="0"/>
+                      </a:endParaRPr>
+                    </a:p>
+                  </a:txBody>
+                  <a:tcPr marL="50800" marR="50800" marT="50800" marB="50800"/>
+                </a:tc>
+                <a:tc>
+                  <a:txBody>
+                    <a:bodyPr/>
+                    <a:lstStyle/>
+                    <a:p>
+                      <a:pPr marL="0" marR="0" fontAlgn="t">
+                        <a:spcBef>
+                          <a:spcPts val="0"/>
+                        </a:spcBef>
+                        <a:spcAft>
+                          <a:spcPts val="0"/>
+                        </a:spcAft>
+                      </a:pPr>
+                      <a:r>
+                        <a:rPr lang="en-US" sz="1800" dirty="0" smtClean="0">
+                          <a:effectLst/>
+                        </a:rPr>
+                        <a:t>Why</a:t>
+                      </a:r>
+                      <a:endParaRPr lang="en-US" sz="1800" dirty="0">
+                        <a:effectLst/>
+                        <a:latin typeface="Calibri" panose="020F0502020204030204" pitchFamily="34" charset="0"/>
+                      </a:endParaRPr>
+                    </a:p>
+                  </a:txBody>
+                  <a:tcPr marL="50800" marR="50800" marT="50800" marB="50800"/>
+                </a:tc>
+                <a:tc>
+                  <a:txBody>
+                    <a:bodyPr/>
+                    <a:lstStyle/>
+                    <a:p>
+                      <a:pPr marL="0" marR="0" fontAlgn="t">
+                        <a:spcBef>
+                          <a:spcPts val="0"/>
+                        </a:spcBef>
+                        <a:spcAft>
+                          <a:spcPts val="0"/>
+                        </a:spcAft>
+                      </a:pPr>
+                      <a:r>
+                        <a:rPr lang="en-US" sz="1800" dirty="0" smtClean="0">
+                          <a:effectLst/>
+                        </a:rPr>
+                        <a:t>Where</a:t>
+                      </a:r>
+                      <a:endParaRPr lang="en-US" sz="1800" dirty="0">
+                        <a:effectLst/>
+                        <a:latin typeface="Calibri" panose="020F0502020204030204" pitchFamily="34" charset="0"/>
+                      </a:endParaRPr>
+                    </a:p>
+                  </a:txBody>
+                  <a:tcPr marL="50800" marR="50800" marT="50800" marB="50800"/>
+                </a:tc>
+                <a:extLst>
+                  <a:ext uri="{0D108BD9-81ED-4DB2-BD59-A6C34878D82A}">
+                    <a16:rowId xmlns:a16="http://schemas.microsoft.com/office/drawing/2014/main" val="2459604035"/>
+                  </a:ext>
+                </a:extLst>
+              </a:tr>
+              <a:tr h="356112">
+                <a:tc>
+                  <a:txBody>
+                    <a:bodyPr/>
+                    <a:lstStyle/>
+                    <a:p>
+                      <a:pPr marL="0" marR="0" fontAlgn="t">
+                        <a:spcBef>
+                          <a:spcPts val="0"/>
+                        </a:spcBef>
+                        <a:spcAft>
+                          <a:spcPts val="0"/>
+                        </a:spcAft>
+                      </a:pPr>
+                      <a:r>
+                        <a:rPr lang="en-US" sz="1800" dirty="0" err="1">
+                          <a:effectLst/>
+                        </a:rPr>
+                        <a:t>TypeScript</a:t>
+                      </a:r>
+                      <a:r>
+                        <a:rPr lang="en-US" sz="1800" dirty="0">
+                          <a:effectLst/>
+                        </a:rPr>
+                        <a:t> 1.6</a:t>
+                      </a:r>
+                      <a:endParaRPr lang="en-US" sz="1800" dirty="0">
+                        <a:effectLst/>
+                        <a:latin typeface="Calibri" panose="020F0502020204030204" pitchFamily="34" charset="0"/>
+                      </a:endParaRPr>
+                    </a:p>
+                  </a:txBody>
+                  <a:tcPr marL="50800" marR="50800" marT="50800" marB="50800"/>
+                </a:tc>
+                <a:tc>
+                  <a:txBody>
+                    <a:bodyPr/>
+                    <a:lstStyle/>
+                    <a:p>
+                      <a:pPr marL="0" marR="0" fontAlgn="t">
+                        <a:spcBef>
+                          <a:spcPts val="0"/>
+                        </a:spcBef>
+                        <a:spcAft>
+                          <a:spcPts val="0"/>
+                        </a:spcAft>
+                      </a:pPr>
+                      <a:r>
+                        <a:rPr lang="en-US" sz="1800">
+                          <a:effectLst/>
+                        </a:rPr>
+                        <a:t>ES6 Support</a:t>
+                      </a:r>
+                      <a:endParaRPr lang="en-US" sz="1800">
+                        <a:effectLst/>
+                        <a:latin typeface="Calibri" panose="020F0502020204030204" pitchFamily="34" charset="0"/>
+                      </a:endParaRPr>
+                    </a:p>
+                  </a:txBody>
+                  <a:tcPr marL="50800" marR="50800" marT="50800" marB="50800"/>
+                </a:tc>
+                <a:tc>
+                  <a:txBody>
+                    <a:bodyPr/>
+                    <a:lstStyle/>
+                    <a:p>
+                      <a:pPr marL="0" marR="0" fontAlgn="t">
+                        <a:spcBef>
+                          <a:spcPts val="0"/>
+                        </a:spcBef>
+                        <a:spcAft>
+                          <a:spcPts val="0"/>
+                        </a:spcAft>
+                      </a:pPr>
+                      <a:r>
+                        <a:rPr lang="en-US" sz="1800">
+                          <a:effectLst/>
+                          <a:hlinkClick r:id="rId2"/>
+                        </a:rPr>
+                        <a:t>http://www.typescriptlang.org/#Download</a:t>
+                      </a:r>
+                      <a:endParaRPr lang="en-US" sz="1800">
+                        <a:effectLst/>
+                        <a:latin typeface="Calibri" panose="020F0502020204030204" pitchFamily="34" charset="0"/>
+                      </a:endParaRPr>
+                    </a:p>
+                  </a:txBody>
+                  <a:tcPr marL="50800" marR="50800" marT="50800" marB="50800"/>
+                </a:tc>
+                <a:extLst>
+                  <a:ext uri="{0D108BD9-81ED-4DB2-BD59-A6C34878D82A}">
+                    <a16:rowId xmlns:a16="http://schemas.microsoft.com/office/drawing/2014/main" val="1695782358"/>
+                  </a:ext>
+                </a:extLst>
+              </a:tr>
+              <a:tr h="577841">
+                <a:tc>
+                  <a:txBody>
+                    <a:bodyPr/>
+                    <a:lstStyle/>
+                    <a:p>
+                      <a:pPr marL="0" marR="0" fontAlgn="t">
+                        <a:spcBef>
+                          <a:spcPts val="0"/>
+                        </a:spcBef>
+                        <a:spcAft>
+                          <a:spcPts val="0"/>
+                        </a:spcAft>
+                      </a:pPr>
+                      <a:r>
+                        <a:rPr lang="en-US" sz="1800">
+                          <a:effectLst/>
+                        </a:rPr>
+                        <a:t>Web Compiler</a:t>
+                      </a:r>
+                      <a:endParaRPr lang="en-US" sz="1800">
+                        <a:effectLst/>
+                        <a:latin typeface="Calibri" panose="020F0502020204030204" pitchFamily="34" charset="0"/>
+                      </a:endParaRPr>
+                    </a:p>
+                  </a:txBody>
+                  <a:tcPr marL="50800" marR="50800" marT="50800" marB="50800"/>
+                </a:tc>
+                <a:tc>
+                  <a:txBody>
+                    <a:bodyPr/>
+                    <a:lstStyle/>
+                    <a:p>
+                      <a:pPr marL="0" marR="0" fontAlgn="t">
+                        <a:spcBef>
+                          <a:spcPts val="0"/>
+                        </a:spcBef>
+                        <a:spcAft>
+                          <a:spcPts val="0"/>
+                        </a:spcAft>
+                      </a:pPr>
+                      <a:r>
+                        <a:rPr lang="en-US" sz="1800">
+                          <a:effectLst/>
+                        </a:rPr>
+                        <a:t>JSX Compilation</a:t>
+                      </a:r>
+                      <a:endParaRPr lang="en-US" sz="1800">
+                        <a:effectLst/>
+                        <a:latin typeface="Calibri" panose="020F0502020204030204" pitchFamily="34" charset="0"/>
+                      </a:endParaRPr>
+                    </a:p>
+                  </a:txBody>
+                  <a:tcPr marL="50800" marR="50800" marT="50800" marB="50800"/>
+                </a:tc>
+                <a:tc>
+                  <a:txBody>
+                    <a:bodyPr/>
+                    <a:lstStyle/>
+                    <a:p>
+                      <a:pPr marL="0" marR="0" fontAlgn="t">
+                        <a:spcBef>
+                          <a:spcPts val="0"/>
+                        </a:spcBef>
+                        <a:spcAft>
+                          <a:spcPts val="0"/>
+                        </a:spcAft>
+                      </a:pPr>
+                      <a:r>
+                        <a:rPr lang="en-US" sz="1800">
+                          <a:effectLst/>
+                          <a:hlinkClick r:id="rId3"/>
+                        </a:rPr>
+                        <a:t>https://visualstudiogallery.msdn.microsoft.com/3b329021-cd7a-4a01-86fc-714c2d05bb6c</a:t>
+                      </a:r>
+                      <a:endParaRPr lang="en-US" sz="1800">
+                        <a:effectLst/>
+                        <a:latin typeface="Calibri" panose="020F0502020204030204" pitchFamily="34" charset="0"/>
+                      </a:endParaRPr>
+                    </a:p>
+                  </a:txBody>
+                  <a:tcPr marL="50800" marR="50800" marT="50800" marB="50800"/>
+                </a:tc>
+                <a:extLst>
+                  <a:ext uri="{0D108BD9-81ED-4DB2-BD59-A6C34878D82A}">
+                    <a16:rowId xmlns:a16="http://schemas.microsoft.com/office/drawing/2014/main" val="1868556239"/>
+                  </a:ext>
+                </a:extLst>
+              </a:tr>
+              <a:tr h="577841">
+                <a:tc>
+                  <a:txBody>
+                    <a:bodyPr/>
+                    <a:lstStyle/>
+                    <a:p>
+                      <a:pPr marL="0" marR="0" fontAlgn="t">
+                        <a:spcBef>
+                          <a:spcPts val="0"/>
+                        </a:spcBef>
+                        <a:spcAft>
+                          <a:spcPts val="0"/>
+                        </a:spcAft>
+                      </a:pPr>
+                      <a:r>
+                        <a:rPr lang="en-US" sz="1800">
+                          <a:effectLst/>
+                        </a:rPr>
+                        <a:t>Web Analyzer</a:t>
+                      </a:r>
+                      <a:endParaRPr lang="en-US" sz="1800">
+                        <a:effectLst/>
+                        <a:latin typeface="Calibri" panose="020F0502020204030204" pitchFamily="34" charset="0"/>
+                      </a:endParaRPr>
+                    </a:p>
+                  </a:txBody>
+                  <a:tcPr marL="50800" marR="50800" marT="50800" marB="50800"/>
+                </a:tc>
+                <a:tc>
+                  <a:txBody>
+                    <a:bodyPr/>
+                    <a:lstStyle/>
+                    <a:p>
+                      <a:pPr marL="0" marR="0" fontAlgn="t">
+                        <a:spcBef>
+                          <a:spcPts val="0"/>
+                        </a:spcBef>
+                        <a:spcAft>
+                          <a:spcPts val="0"/>
+                        </a:spcAft>
+                      </a:pPr>
+                      <a:r>
+                        <a:rPr lang="en-US" sz="1800">
+                          <a:effectLst/>
+                        </a:rPr>
+                        <a:t>JSX Linting</a:t>
+                      </a:r>
+                      <a:endParaRPr lang="en-US" sz="1800">
+                        <a:effectLst/>
+                        <a:latin typeface="Calibri" panose="020F0502020204030204" pitchFamily="34" charset="0"/>
+                      </a:endParaRPr>
+                    </a:p>
+                  </a:txBody>
+                  <a:tcPr marL="50800" marR="50800" marT="50800" marB="50800"/>
+                </a:tc>
+                <a:tc>
+                  <a:txBody>
+                    <a:bodyPr/>
+                    <a:lstStyle/>
+                    <a:p>
+                      <a:pPr marL="0" marR="0" fontAlgn="t">
+                        <a:spcBef>
+                          <a:spcPts val="0"/>
+                        </a:spcBef>
+                        <a:spcAft>
+                          <a:spcPts val="0"/>
+                        </a:spcAft>
+                      </a:pPr>
+                      <a:r>
+                        <a:rPr lang="en-US" sz="1800">
+                          <a:effectLst/>
+                          <a:hlinkClick r:id="rId4"/>
+                        </a:rPr>
+                        <a:t>https://visualstudiogallery.msdn.microsoft.com/6edc26d4-47d8-4987-82ee-7c820d79be1d</a:t>
+                      </a:r>
+                      <a:endParaRPr lang="en-US" sz="1800">
+                        <a:effectLst/>
+                        <a:latin typeface="Calibri" panose="020F0502020204030204" pitchFamily="34" charset="0"/>
+                      </a:endParaRPr>
+                    </a:p>
+                  </a:txBody>
+                  <a:tcPr marL="50800" marR="50800" marT="50800" marB="50800"/>
+                </a:tc>
+                <a:extLst>
+                  <a:ext uri="{0D108BD9-81ED-4DB2-BD59-A6C34878D82A}">
+                    <a16:rowId xmlns:a16="http://schemas.microsoft.com/office/drawing/2014/main" val="4140357033"/>
+                  </a:ext>
+                </a:extLst>
+              </a:tr>
+              <a:tr h="577841">
+                <a:tc>
+                  <a:txBody>
+                    <a:bodyPr/>
+                    <a:lstStyle/>
+                    <a:p>
+                      <a:pPr marL="0" marR="0" fontAlgn="t">
+                        <a:spcBef>
+                          <a:spcPts val="0"/>
+                        </a:spcBef>
+                        <a:spcAft>
+                          <a:spcPts val="0"/>
+                        </a:spcAft>
+                      </a:pPr>
+                      <a:r>
+                        <a:rPr lang="en-US" sz="1800" dirty="0">
+                          <a:effectLst/>
+                        </a:rPr>
+                        <a:t>Atom React Plugin</a:t>
+                      </a:r>
+                      <a:endParaRPr lang="en-US" sz="1800" dirty="0">
+                        <a:effectLst/>
+                        <a:latin typeface="Calibri" panose="020F0502020204030204" pitchFamily="34" charset="0"/>
+                      </a:endParaRPr>
+                    </a:p>
+                  </a:txBody>
+                  <a:tcPr marL="50800" marR="50800" marT="50800" marB="50800"/>
+                </a:tc>
+                <a:tc>
+                  <a:txBody>
+                    <a:bodyPr/>
+                    <a:lstStyle/>
+                    <a:p>
+                      <a:pPr marL="0" marR="0" fontAlgn="t">
+                        <a:spcBef>
+                          <a:spcPts val="0"/>
+                        </a:spcBef>
+                        <a:spcAft>
+                          <a:spcPts val="0"/>
+                        </a:spcAft>
+                      </a:pPr>
+                      <a:r>
+                        <a:rPr lang="en-US" sz="1800">
+                          <a:effectLst/>
+                        </a:rPr>
+                        <a:t>Snippets, etc.</a:t>
+                      </a:r>
+                      <a:endParaRPr lang="en-US" sz="1800">
+                        <a:effectLst/>
+                        <a:latin typeface="Calibri" panose="020F0502020204030204" pitchFamily="34" charset="0"/>
+                      </a:endParaRPr>
+                    </a:p>
+                  </a:txBody>
+                  <a:tcPr marL="50800" marR="50800" marT="50800" marB="50800"/>
+                </a:tc>
+                <a:tc>
+                  <a:txBody>
+                    <a:bodyPr/>
+                    <a:lstStyle/>
+                    <a:p>
+                      <a:pPr marL="0" marR="0" fontAlgn="t">
+                        <a:spcBef>
+                          <a:spcPts val="0"/>
+                        </a:spcBef>
+                        <a:spcAft>
+                          <a:spcPts val="0"/>
+                        </a:spcAft>
+                      </a:pPr>
+                      <a:r>
+                        <a:rPr lang="en-US" sz="1800">
+                          <a:effectLst/>
+                          <a:hlinkClick r:id="rId5"/>
+                        </a:rPr>
+                        <a:t>http://orktes.github.io/atom-react/#snippets-list</a:t>
+                      </a:r>
+                      <a:endParaRPr lang="en-US" sz="1800">
+                        <a:effectLst/>
+                        <a:latin typeface="Calibri" panose="020F0502020204030204" pitchFamily="34" charset="0"/>
+                      </a:endParaRPr>
+                    </a:p>
+                  </a:txBody>
+                  <a:tcPr marL="50800" marR="50800" marT="50800" marB="50800"/>
+                </a:tc>
+                <a:extLst>
+                  <a:ext uri="{0D108BD9-81ED-4DB2-BD59-A6C34878D82A}">
+                    <a16:rowId xmlns:a16="http://schemas.microsoft.com/office/drawing/2014/main" val="754441335"/>
+                  </a:ext>
+                </a:extLst>
+              </a:tr>
+              <a:tr h="356112">
+                <a:tc>
+                  <a:txBody>
+                    <a:bodyPr/>
+                    <a:lstStyle/>
+                    <a:p>
+                      <a:pPr marL="0" marR="0" fontAlgn="t">
+                        <a:spcBef>
+                          <a:spcPts val="0"/>
+                        </a:spcBef>
+                        <a:spcAft>
+                          <a:spcPts val="0"/>
+                        </a:spcAft>
+                      </a:pPr>
+                      <a:r>
+                        <a:rPr lang="en-US" sz="1800">
+                          <a:effectLst/>
+                        </a:rPr>
+                        <a:t>VS Code 0.9.1+</a:t>
+                      </a:r>
+                      <a:endParaRPr lang="en-US" sz="1800">
+                        <a:effectLst/>
+                        <a:latin typeface="Calibri" panose="020F0502020204030204" pitchFamily="34" charset="0"/>
+                      </a:endParaRPr>
+                    </a:p>
+                  </a:txBody>
+                  <a:tcPr marL="50800" marR="50800" marT="50800" marB="50800"/>
+                </a:tc>
+                <a:tc>
+                  <a:txBody>
+                    <a:bodyPr/>
+                    <a:lstStyle/>
+                    <a:p>
+                      <a:pPr marL="0" marR="0" fontAlgn="t">
+                        <a:spcBef>
+                          <a:spcPts val="0"/>
+                        </a:spcBef>
+                        <a:spcAft>
+                          <a:spcPts val="0"/>
+                        </a:spcAft>
+                      </a:pPr>
+                      <a:r>
+                        <a:rPr lang="en-US" sz="1800">
+                          <a:effectLst/>
+                        </a:rPr>
+                        <a:t>JSX Colorization</a:t>
+                      </a:r>
+                      <a:endParaRPr lang="en-US" sz="1800">
+                        <a:effectLst/>
+                        <a:latin typeface="Calibri" panose="020F0502020204030204" pitchFamily="34" charset="0"/>
+                      </a:endParaRPr>
+                    </a:p>
+                  </a:txBody>
+                  <a:tcPr marL="50800" marR="50800" marT="50800" marB="50800"/>
+                </a:tc>
+                <a:tc>
+                  <a:txBody>
+                    <a:bodyPr/>
+                    <a:lstStyle/>
+                    <a:p>
+                      <a:pPr marL="0" marR="0" fontAlgn="t">
+                        <a:spcBef>
+                          <a:spcPts val="0"/>
+                        </a:spcBef>
+                        <a:spcAft>
+                          <a:spcPts val="0"/>
+                        </a:spcAft>
+                      </a:pPr>
+                      <a:r>
+                        <a:rPr lang="en-US" sz="1800">
+                          <a:effectLst/>
+                          <a:hlinkClick r:id="rId6"/>
+                        </a:rPr>
+                        <a:t>https://code.visualstudio.com/</a:t>
+                      </a:r>
+                      <a:endParaRPr lang="en-US" sz="1800">
+                        <a:effectLst/>
+                        <a:latin typeface="Calibri" panose="020F0502020204030204" pitchFamily="34" charset="0"/>
+                      </a:endParaRPr>
+                    </a:p>
+                  </a:txBody>
+                  <a:tcPr marL="50800" marR="50800" marT="50800" marB="50800"/>
+                </a:tc>
+                <a:extLst>
+                  <a:ext uri="{0D108BD9-81ED-4DB2-BD59-A6C34878D82A}">
+                    <a16:rowId xmlns:a16="http://schemas.microsoft.com/office/drawing/2014/main" val="4049399067"/>
+                  </a:ext>
+                </a:extLst>
+              </a:tr>
+              <a:tr h="577841">
+                <a:tc>
+                  <a:txBody>
+                    <a:bodyPr/>
+                    <a:lstStyle/>
+                    <a:p>
+                      <a:pPr marL="0" marR="0" fontAlgn="t">
+                        <a:spcBef>
+                          <a:spcPts val="0"/>
+                        </a:spcBef>
+                        <a:spcAft>
+                          <a:spcPts val="0"/>
+                        </a:spcAft>
+                      </a:pPr>
+                      <a:r>
+                        <a:rPr lang="en-US" sz="1800">
+                          <a:effectLst/>
+                        </a:rPr>
+                        <a:t>React Dev Tools</a:t>
+                      </a:r>
+                      <a:endParaRPr lang="en-US" sz="1800">
+                        <a:effectLst/>
+                        <a:latin typeface="Calibri" panose="020F0502020204030204" pitchFamily="34" charset="0"/>
+                      </a:endParaRPr>
+                    </a:p>
+                  </a:txBody>
+                  <a:tcPr marL="50800" marR="50800" marT="50800" marB="50800"/>
+                </a:tc>
+                <a:tc>
+                  <a:txBody>
+                    <a:bodyPr/>
+                    <a:lstStyle/>
+                    <a:p>
+                      <a:pPr marL="0" marR="0" fontAlgn="t">
+                        <a:spcBef>
+                          <a:spcPts val="0"/>
+                        </a:spcBef>
+                        <a:spcAft>
+                          <a:spcPts val="0"/>
+                        </a:spcAft>
+                      </a:pPr>
+                      <a:r>
+                        <a:rPr lang="en-US" sz="1800">
+                          <a:effectLst/>
+                        </a:rPr>
+                        <a:t>Chrome Developer Tools inspector</a:t>
+                      </a:r>
+                      <a:endParaRPr lang="en-US" sz="1800">
+                        <a:effectLst/>
+                        <a:latin typeface="Calibri" panose="020F0502020204030204" pitchFamily="34" charset="0"/>
+                      </a:endParaRPr>
+                    </a:p>
+                  </a:txBody>
+                  <a:tcPr marL="50800" marR="50800" marT="50800" marB="50800"/>
+                </a:tc>
+                <a:tc>
+                  <a:txBody>
+                    <a:bodyPr/>
+                    <a:lstStyle/>
+                    <a:p>
+                      <a:pPr marL="0" marR="0" fontAlgn="t">
+                        <a:spcBef>
+                          <a:spcPts val="0"/>
+                        </a:spcBef>
+                        <a:spcAft>
+                          <a:spcPts val="0"/>
+                        </a:spcAft>
+                      </a:pPr>
+                      <a:r>
+                        <a:rPr lang="en-US" sz="1800">
+                          <a:effectLst/>
+                          <a:hlinkClick r:id="rId7"/>
+                        </a:rPr>
+                        <a:t>https://github.com/facebook/react-devtools</a:t>
+                      </a:r>
+                      <a:endParaRPr lang="en-US" sz="1800">
+                        <a:effectLst/>
+                        <a:latin typeface="Calibri" panose="020F0502020204030204" pitchFamily="34" charset="0"/>
+                      </a:endParaRPr>
+                    </a:p>
+                  </a:txBody>
+                  <a:tcPr marL="50800" marR="50800" marT="50800" marB="50800"/>
+                </a:tc>
+                <a:extLst>
+                  <a:ext uri="{0D108BD9-81ED-4DB2-BD59-A6C34878D82A}">
+                    <a16:rowId xmlns:a16="http://schemas.microsoft.com/office/drawing/2014/main" val="699468095"/>
+                  </a:ext>
+                </a:extLst>
+              </a:tr>
+              <a:tr h="577841">
+                <a:tc>
+                  <a:txBody>
+                    <a:bodyPr/>
+                    <a:lstStyle/>
+                    <a:p>
+                      <a:pPr marL="0" marR="0" fontAlgn="t">
+                        <a:spcBef>
+                          <a:spcPts val="0"/>
+                        </a:spcBef>
+                        <a:spcAft>
+                          <a:spcPts val="0"/>
+                        </a:spcAft>
+                      </a:pPr>
+                      <a:r>
+                        <a:rPr lang="en-US" sz="1800">
+                          <a:effectLst/>
+                        </a:rPr>
+                        <a:t>Add New File</a:t>
+                      </a:r>
+                      <a:endParaRPr lang="en-US" sz="1800">
+                        <a:effectLst/>
+                        <a:latin typeface="Calibri" panose="020F0502020204030204" pitchFamily="34" charset="0"/>
+                      </a:endParaRPr>
+                    </a:p>
+                  </a:txBody>
+                  <a:tcPr marL="50800" marR="50800" marT="50800" marB="50800"/>
+                </a:tc>
+                <a:tc>
+                  <a:txBody>
+                    <a:bodyPr/>
+                    <a:lstStyle/>
+                    <a:p>
+                      <a:pPr marL="0" marR="0" fontAlgn="t">
+                        <a:spcBef>
+                          <a:spcPts val="0"/>
+                        </a:spcBef>
+                        <a:spcAft>
+                          <a:spcPts val="0"/>
+                        </a:spcAft>
+                      </a:pPr>
+                      <a:r>
+                        <a:rPr lang="en-US" sz="1800">
+                          <a:effectLst/>
+                        </a:rPr>
+                        <a:t>Add .bowerrc</a:t>
+                      </a:r>
+                      <a:endParaRPr lang="en-US" sz="1800">
+                        <a:effectLst/>
+                        <a:latin typeface="Calibri" panose="020F0502020204030204" pitchFamily="34" charset="0"/>
+                      </a:endParaRPr>
+                    </a:p>
+                  </a:txBody>
+                  <a:tcPr marL="50800" marR="50800" marT="50800" marB="50800"/>
+                </a:tc>
+                <a:tc>
+                  <a:txBody>
+                    <a:bodyPr/>
+                    <a:lstStyle/>
+                    <a:p>
+                      <a:pPr marL="0" marR="0" fontAlgn="t">
+                        <a:spcBef>
+                          <a:spcPts val="0"/>
+                        </a:spcBef>
+                        <a:spcAft>
+                          <a:spcPts val="0"/>
+                        </a:spcAft>
+                      </a:pPr>
+                      <a:r>
+                        <a:rPr lang="en-US" sz="1800">
+                          <a:effectLst/>
+                          <a:hlinkClick r:id="rId8"/>
+                        </a:rPr>
+                        <a:t>https://visualstudiogallery.msdn.microsoft.com/3f820e99-6c0d-41db-aa74-a18d9623b1f3</a:t>
+                      </a:r>
+                      <a:endParaRPr lang="en-US" sz="1800">
+                        <a:effectLst/>
+                        <a:latin typeface="Calibri" panose="020F0502020204030204" pitchFamily="34" charset="0"/>
+                      </a:endParaRPr>
+                    </a:p>
+                  </a:txBody>
+                  <a:tcPr marL="50800" marR="50800" marT="50800" marB="50800"/>
+                </a:tc>
+                <a:extLst>
+                  <a:ext uri="{0D108BD9-81ED-4DB2-BD59-A6C34878D82A}">
+                    <a16:rowId xmlns:a16="http://schemas.microsoft.com/office/drawing/2014/main" val="2522709973"/>
+                  </a:ext>
+                </a:extLst>
+              </a:tr>
+              <a:tr h="577841">
+                <a:tc>
+                  <a:txBody>
+                    <a:bodyPr/>
+                    <a:lstStyle/>
+                    <a:p>
+                      <a:pPr marL="0" marR="0" fontAlgn="t">
+                        <a:spcBef>
+                          <a:spcPts val="0"/>
+                        </a:spcBef>
+                        <a:spcAft>
+                          <a:spcPts val="0"/>
+                        </a:spcAft>
+                      </a:pPr>
+                      <a:r>
+                        <a:rPr lang="en-US" sz="1800">
+                          <a:effectLst/>
+                        </a:rPr>
+                        <a:t>React Snippet Pack</a:t>
+                      </a:r>
+                      <a:endParaRPr lang="en-US" sz="1800">
+                        <a:effectLst/>
+                        <a:latin typeface="Calibri" panose="020F0502020204030204" pitchFamily="34" charset="0"/>
+                      </a:endParaRPr>
+                    </a:p>
+                  </a:txBody>
+                  <a:tcPr marL="50800" marR="50800" marT="50800" marB="50800"/>
+                </a:tc>
+                <a:tc>
+                  <a:txBody>
+                    <a:bodyPr/>
+                    <a:lstStyle/>
+                    <a:p>
+                      <a:pPr marL="0" marR="0" fontAlgn="t">
+                        <a:spcBef>
+                          <a:spcPts val="0"/>
+                        </a:spcBef>
+                        <a:spcAft>
+                          <a:spcPts val="0"/>
+                        </a:spcAft>
+                      </a:pPr>
+                      <a:r>
+                        <a:rPr lang="en-US" sz="1800">
+                          <a:effectLst/>
+                        </a:rPr>
+                        <a:t>Visual Studio snippets</a:t>
+                      </a:r>
+                      <a:endParaRPr lang="en-US" sz="1800">
+                        <a:effectLst/>
+                        <a:latin typeface="Calibri" panose="020F0502020204030204" pitchFamily="34" charset="0"/>
+                      </a:endParaRPr>
+                    </a:p>
+                  </a:txBody>
+                  <a:tcPr marL="50800" marR="50800" marT="50800" marB="50800"/>
+                </a:tc>
+                <a:tc>
+                  <a:txBody>
+                    <a:bodyPr/>
+                    <a:lstStyle/>
+                    <a:p>
+                      <a:pPr marL="0" marR="0" fontAlgn="t">
+                        <a:spcBef>
+                          <a:spcPts val="0"/>
+                        </a:spcBef>
+                        <a:spcAft>
+                          <a:spcPts val="0"/>
+                        </a:spcAft>
+                      </a:pPr>
+                      <a:r>
+                        <a:rPr lang="en-US" sz="1800">
+                          <a:effectLst/>
+                          <a:hlinkClick r:id="rId9"/>
+                        </a:rPr>
+                        <a:t>https://visualstudiogallery.msdn.microsoft.com/234d79e9-f0fd-41e1-a926-850da8e8c7d7</a:t>
+                      </a:r>
+                      <a:endParaRPr lang="en-US" sz="1800">
+                        <a:effectLst/>
+                        <a:latin typeface="Calibri" panose="020F0502020204030204" pitchFamily="34" charset="0"/>
+                      </a:endParaRPr>
+                    </a:p>
+                  </a:txBody>
+                  <a:tcPr marL="50800" marR="50800" marT="50800" marB="50800"/>
+                </a:tc>
+                <a:extLst>
+                  <a:ext uri="{0D108BD9-81ED-4DB2-BD59-A6C34878D82A}">
+                    <a16:rowId xmlns:a16="http://schemas.microsoft.com/office/drawing/2014/main" val="2703879312"/>
+                  </a:ext>
+                </a:extLst>
+              </a:tr>
+              <a:tr h="356112">
+                <a:tc>
+                  <a:txBody>
+                    <a:bodyPr/>
+                    <a:lstStyle/>
+                    <a:p>
+                      <a:pPr marL="0" marR="0" fontAlgn="t">
+                        <a:spcBef>
+                          <a:spcPts val="0"/>
+                        </a:spcBef>
+                        <a:spcAft>
+                          <a:spcPts val="0"/>
+                        </a:spcAft>
+                      </a:pPr>
+                      <a:r>
+                        <a:rPr lang="en-US" sz="1800">
+                          <a:effectLst/>
+                        </a:rPr>
+                        <a:t>React.NET</a:t>
+                      </a:r>
+                      <a:endParaRPr lang="en-US" sz="1800">
+                        <a:effectLst/>
+                        <a:latin typeface="Calibri" panose="020F0502020204030204" pitchFamily="34" charset="0"/>
+                      </a:endParaRPr>
+                    </a:p>
+                  </a:txBody>
+                  <a:tcPr marL="50800" marR="50800" marT="50800" marB="50800"/>
+                </a:tc>
+                <a:tc>
+                  <a:txBody>
+                    <a:bodyPr/>
+                    <a:lstStyle/>
+                    <a:p>
+                      <a:pPr marL="0" marR="0" fontAlgn="t">
+                        <a:spcBef>
+                          <a:spcPts val="0"/>
+                        </a:spcBef>
+                        <a:spcAft>
+                          <a:spcPts val="0"/>
+                        </a:spcAft>
+                      </a:pPr>
+                      <a:r>
+                        <a:rPr lang="en-US" sz="1800">
+                          <a:effectLst/>
+                        </a:rPr>
+                        <a:t> </a:t>
+                      </a:r>
+                      <a:endParaRPr lang="en-US" sz="1800">
+                        <a:effectLst/>
+                        <a:latin typeface="Calibri" panose="020F0502020204030204" pitchFamily="34" charset="0"/>
+                      </a:endParaRPr>
+                    </a:p>
+                  </a:txBody>
+                  <a:tcPr marL="50800" marR="50800" marT="50800" marB="50800"/>
+                </a:tc>
+                <a:tc>
+                  <a:txBody>
+                    <a:bodyPr/>
+                    <a:lstStyle/>
+                    <a:p>
+                      <a:pPr marL="0" marR="0" fontAlgn="t">
+                        <a:spcBef>
+                          <a:spcPts val="0"/>
+                        </a:spcBef>
+                        <a:spcAft>
+                          <a:spcPts val="0"/>
+                        </a:spcAft>
+                      </a:pPr>
+                      <a:r>
+                        <a:rPr lang="en-US" sz="1800">
+                          <a:effectLst/>
+                        </a:rPr>
+                        <a:t> </a:t>
+                      </a:r>
+                      <a:endParaRPr lang="en-US" sz="1800">
+                        <a:effectLst/>
+                        <a:latin typeface="Calibri" panose="020F0502020204030204" pitchFamily="34" charset="0"/>
+                      </a:endParaRPr>
+                    </a:p>
+                  </a:txBody>
+                  <a:tcPr marL="50800" marR="50800" marT="50800" marB="50800"/>
+                </a:tc>
+                <a:extLst>
+                  <a:ext uri="{0D108BD9-81ED-4DB2-BD59-A6C34878D82A}">
+                    <a16:rowId xmlns:a16="http://schemas.microsoft.com/office/drawing/2014/main" val="2964098971"/>
+                  </a:ext>
+                </a:extLst>
+              </a:tr>
+              <a:tr h="577841">
+                <a:tc>
+                  <a:txBody>
+                    <a:bodyPr/>
+                    <a:lstStyle/>
+                    <a:p>
+                      <a:pPr marL="0" marR="0" fontAlgn="t">
+                        <a:spcBef>
+                          <a:spcPts val="0"/>
+                        </a:spcBef>
+                        <a:spcAft>
+                          <a:spcPts val="0"/>
+                        </a:spcAft>
+                      </a:pPr>
+                      <a:r>
+                        <a:rPr lang="en-US" sz="1800">
+                          <a:effectLst/>
+                        </a:rPr>
+                        <a:t>NPM 3</a:t>
+                      </a:r>
+                      <a:endParaRPr lang="en-US" sz="1800">
+                        <a:effectLst/>
+                        <a:latin typeface="Calibri" panose="020F0502020204030204" pitchFamily="34" charset="0"/>
+                      </a:endParaRPr>
+                    </a:p>
+                  </a:txBody>
+                  <a:tcPr marL="50800" marR="50800" marT="50800" marB="50800"/>
+                </a:tc>
+                <a:tc>
+                  <a:txBody>
+                    <a:bodyPr/>
+                    <a:lstStyle/>
+                    <a:p>
+                      <a:pPr marL="0" marR="0" fontAlgn="t">
+                        <a:spcBef>
+                          <a:spcPts val="0"/>
+                        </a:spcBef>
+                        <a:spcAft>
+                          <a:spcPts val="0"/>
+                        </a:spcAft>
+                      </a:pPr>
+                      <a:r>
+                        <a:rPr lang="en-US" sz="1800">
+                          <a:effectLst/>
+                        </a:rPr>
+                        <a:t>Fix long path issues</a:t>
+                      </a:r>
+                      <a:endParaRPr lang="en-US" sz="1800">
+                        <a:effectLst/>
+                        <a:latin typeface="Calibri" panose="020F0502020204030204" pitchFamily="34" charset="0"/>
+                      </a:endParaRPr>
+                    </a:p>
+                  </a:txBody>
+                  <a:tcPr marL="50800" marR="50800" marT="50800" marB="50800"/>
+                </a:tc>
+                <a:tc>
+                  <a:txBody>
+                    <a:bodyPr/>
+                    <a:lstStyle/>
+                    <a:p>
+                      <a:pPr marL="0" marR="0" fontAlgn="t">
+                        <a:spcBef>
+                          <a:spcPts val="0"/>
+                        </a:spcBef>
+                        <a:spcAft>
+                          <a:spcPts val="0"/>
+                        </a:spcAft>
+                      </a:pPr>
+                      <a:r>
+                        <a:rPr lang="en-US" sz="1800">
+                          <a:effectLst/>
+                          <a:hlinkClick r:id="rId10"/>
+                        </a:rPr>
+                        <a:t>http://www.ageofascent.com/reduce-node_modules-recursion-long-paths-asp-net-5/</a:t>
+                      </a:r>
+                      <a:endParaRPr lang="en-US" sz="1800">
+                        <a:effectLst/>
+                        <a:latin typeface="Calibri" panose="020F0502020204030204" pitchFamily="34" charset="0"/>
+                      </a:endParaRPr>
+                    </a:p>
+                  </a:txBody>
+                  <a:tcPr marL="50800" marR="50800" marT="50800" marB="50800"/>
+                </a:tc>
+                <a:extLst>
+                  <a:ext uri="{0D108BD9-81ED-4DB2-BD59-A6C34878D82A}">
+                    <a16:rowId xmlns:a16="http://schemas.microsoft.com/office/drawing/2014/main" val="853570916"/>
+                  </a:ext>
+                </a:extLst>
+              </a:tr>
+              <a:tr h="577841">
+                <a:tc>
+                  <a:txBody>
+                    <a:bodyPr/>
+                    <a:lstStyle/>
+                    <a:p>
+                      <a:pPr marL="0" marR="0" fontAlgn="t">
+                        <a:spcBef>
+                          <a:spcPts val="0"/>
+                        </a:spcBef>
+                        <a:spcAft>
+                          <a:spcPts val="0"/>
+                        </a:spcAft>
+                      </a:pPr>
+                      <a:r>
+                        <a:rPr lang="en-US" sz="1800">
+                          <a:effectLst/>
+                        </a:rPr>
+                        <a:t>webpack</a:t>
+                      </a:r>
+                      <a:endParaRPr lang="en-US" sz="1800">
+                        <a:effectLst/>
+                        <a:latin typeface="Calibri" panose="020F0502020204030204" pitchFamily="34" charset="0"/>
+                      </a:endParaRPr>
+                    </a:p>
+                  </a:txBody>
+                  <a:tcPr marL="50800" marR="50800" marT="50800" marB="50800"/>
+                </a:tc>
+                <a:tc>
+                  <a:txBody>
+                    <a:bodyPr/>
+                    <a:lstStyle/>
+                    <a:p>
+                      <a:pPr marL="0" marR="0" fontAlgn="t">
+                        <a:spcBef>
+                          <a:spcPts val="0"/>
+                        </a:spcBef>
+                        <a:spcAft>
+                          <a:spcPts val="0"/>
+                        </a:spcAft>
+                      </a:pPr>
+                      <a:r>
+                        <a:rPr lang="en-US" sz="1800">
+                          <a:effectLst/>
+                        </a:rPr>
+                        <a:t>Needed for react-devtools plain</a:t>
+                      </a:r>
+                      <a:endParaRPr lang="en-US" sz="1800">
+                        <a:effectLst/>
+                        <a:latin typeface="Calibri" panose="020F0502020204030204" pitchFamily="34" charset="0"/>
+                      </a:endParaRPr>
+                    </a:p>
+                  </a:txBody>
+                  <a:tcPr marL="50800" marR="50800" marT="50800" marB="50800"/>
+                </a:tc>
+                <a:tc>
+                  <a:txBody>
+                    <a:bodyPr/>
+                    <a:lstStyle/>
+                    <a:p>
+                      <a:pPr marL="0" marR="0" fontAlgn="t">
+                        <a:spcBef>
+                          <a:spcPts val="0"/>
+                        </a:spcBef>
+                        <a:spcAft>
+                          <a:spcPts val="0"/>
+                        </a:spcAft>
+                      </a:pPr>
+                      <a:r>
+                        <a:rPr lang="en-US" sz="1800" dirty="0">
+                          <a:effectLst/>
+                        </a:rPr>
+                        <a:t>  </a:t>
+                      </a:r>
+                      <a:r>
+                        <a:rPr lang="en-US" sz="1800" dirty="0" err="1">
+                          <a:effectLst/>
+                        </a:rPr>
+                        <a:t>npm</a:t>
+                      </a:r>
+                      <a:r>
+                        <a:rPr lang="en-US" sz="1800" dirty="0">
+                          <a:effectLst/>
+                        </a:rPr>
+                        <a:t> install </a:t>
+                      </a:r>
+                      <a:r>
+                        <a:rPr lang="en-US" sz="1800" dirty="0" err="1">
+                          <a:effectLst/>
+                        </a:rPr>
+                        <a:t>webpack</a:t>
+                      </a:r>
+                      <a:r>
+                        <a:rPr lang="en-US" sz="1800" dirty="0">
+                          <a:effectLst/>
+                        </a:rPr>
+                        <a:t> -g </a:t>
+                      </a:r>
+                      <a:endParaRPr lang="en-US" sz="1800" dirty="0">
+                        <a:effectLst/>
+                        <a:latin typeface="Calibri" panose="020F0502020204030204" pitchFamily="34" charset="0"/>
+                      </a:endParaRPr>
+                    </a:p>
+                  </a:txBody>
+                  <a:tcPr marL="50800" marR="50800" marT="50800" marB="50800"/>
+                </a:tc>
+                <a:extLst>
+                  <a:ext uri="{0D108BD9-81ED-4DB2-BD59-A6C34878D82A}">
+                    <a16:rowId xmlns:a16="http://schemas.microsoft.com/office/drawing/2014/main" val="2291935290"/>
+                  </a:ext>
+                </a:extLst>
+              </a:tr>
+            </a:tbl>
+          </a:graphicData>
+        </a:graphic>
+      </p:graphicFrame>
     </p:spTree>
     <p:extLst>
       <p:ext uri="{BB962C8B-B14F-4D97-AF65-F5344CB8AC3E}">
-        <p14:creationId xmlns:p14="http://schemas.microsoft.com/office/powerpoint/2010/main" val="3719390938"/>
+        <p14:creationId xmlns:p14="http://schemas.microsoft.com/office/powerpoint/2010/main" val="821204451"/>
       </p:ext>
     </p:extLst>
   </p:cSld>
   <p:clrMapOvr>
     <a:masterClrMapping/>
   </p:clrMapOvr>
+  <p:timing>
+    <p:tnLst>
+      <p:par>
+        <p:cTn id="1" dur="indefinite" restart="never" nodeType="tmRoot"/>
+      </p:par>
+    </p:tnLst>
+  </p:timing>
 </p:sld>
 </file>
 
